--- a/Scala Sessions/Scala Session 3/Scala Session 3.pptx
+++ b/Scala Sessions/Scala Session 3/Scala Session 3.pptx
@@ -107,6 +107,11 @@
       </a:defRPr>
     </a:lvl9pPr>
   </p:defaultTextStyle>
+  <p:extLst>
+    <p:ext uri="{EFAFB233-063F-42B5-8137-9DF3F51BA10A}">
+      <p15:sldGuideLst xmlns:p15="http://schemas.microsoft.com/office/powerpoint/2012/main"/>
+    </p:ext>
+  </p:extLst>
 </p:presentation>
 </file>
 
@@ -295,7 +300,7 @@
           <a:p>
             <a:fld id="{88D38747-4367-4BD2-8D51-C97E202738E2}" type="datetime1">
               <a:rPr lang="en-US" smtClean="0"/>
-              <a:t>2020-02-18</a:t>
+              <a:t>2/19/20</a:t>
             </a:fld>
             <a:endParaRPr lang="en-US" dirty="0"/>
           </a:p>
@@ -530,7 +535,7 @@
           <a:p>
             <a:fld id="{073ED0CC-082F-4160-86E5-0D6041F12778}" type="datetime1">
               <a:rPr lang="en-US" smtClean="0"/>
-              <a:t>2020-02-18</a:t>
+              <a:t>2/19/20</a:t>
             </a:fld>
             <a:endParaRPr lang="en-US" dirty="0"/>
           </a:p>
@@ -1785,10 +1790,9 @@
               <a:buChar char="•"/>
             </a:pPr>
             <a:r>
-              <a:rPr lang="en-US" dirty="0" err="1"/>
+              <a:rPr lang="en-US" dirty="0"/>
               <a:t>Eazzy</a:t>
             </a:r>
-            <a:endParaRPr lang="en-US" dirty="0"/>
           </a:p>
           <a:p>
             <a:pPr marL="342900" indent="-342900" algn="l">

--- a/Scala Sessions/Scala Session 3/Scala Session 3.pptx
+++ b/Scala Sessions/Scala Session 3/Scala Session 3.pptx
@@ -300,7 +300,7 @@
           <a:p>
             <a:fld id="{88D38747-4367-4BD2-8D51-C97E202738E2}" type="datetime1">
               <a:rPr lang="en-US" smtClean="0"/>
-              <a:t>2/19/20</a:t>
+              <a:t>4/26/20</a:t>
             </a:fld>
             <a:endParaRPr lang="en-US" dirty="0"/>
           </a:p>
@@ -535,7 +535,7 @@
           <a:p>
             <a:fld id="{073ED0CC-082F-4160-86E5-0D6041F12778}" type="datetime1">
               <a:rPr lang="en-US" smtClean="0"/>
-              <a:t>2/19/20</a:t>
+              <a:t>4/26/20</a:t>
             </a:fld>
             <a:endParaRPr lang="en-US" dirty="0"/>
           </a:p>
@@ -1733,7 +1733,7 @@
         </p:nvSpPr>
         <p:spPr>
           <a:xfrm>
-            <a:off x="1264676" y="434376"/>
+            <a:off x="1264676" y="748141"/>
             <a:ext cx="9440034" cy="788881"/>
           </a:xfrm>
         </p:spPr>
@@ -1745,7 +1745,14 @@
           <a:p>
             <a:r>
               <a:rPr lang="en-US" dirty="0"/>
-              <a:t>Unit Test vs Property based Test</a:t>
+              <a:t>Unit Test, </a:t>
+            </a:r>
+            <a:br>
+              <a:rPr lang="en-US" dirty="0"/>
+            </a:br>
+            <a:r>
+              <a:rPr lang="en-US" dirty="0"/>
+              <a:t>Property based Test</a:t>
             </a:r>
           </a:p>
         </p:txBody>
@@ -1868,7 +1875,7 @@
             </a:pPr>
             <a:r>
               <a:rPr lang="en-US" dirty="0"/>
-              <a:t>Most of the cases is simply Better!</a:t>
+              <a:t>Most of the cases is simply powerful!</a:t>
             </a:r>
           </a:p>
           <a:p>
